--- a/rasterio/rasterio.pptx
+++ b/rasterio/rasterio.pptx
@@ -3963,10 +3963,7 @@
               <a:rPr lang="en-US" sz="1600" dirty="0" err="1"/>
               <a:t>pyproj</a:t>
             </a:r>
-            <a:r>
-              <a:rPr lang="en-US" sz="1600" dirty="0"/>
-              <a:t>, GDAL</a:t>
-            </a:r>
+            <a:endParaRPr lang="en-US" sz="1600" dirty="0"/>
           </a:p>
           <a:p>
             <a:r>
@@ -4002,7 +3999,10 @@
               <a:rPr lang="en-US" sz="1600" dirty="0" err="1"/>
               <a:t>PySAL</a:t>
             </a:r>
-            <a:endParaRPr lang="en-US" sz="1600" dirty="0"/>
+            <a:r>
+              <a:rPr lang="en-US" sz="1600" dirty="0"/>
+              <a:t>, shapely, …</a:t>
+            </a:r>
           </a:p>
           <a:p>
             <a:r>
